--- a/documentation/SystemFormulation_LFM_and_statespace.pptx
+++ b/documentation/SystemFormulation_LFM_and_statespace.pptx
@@ -11,7 +11,7 @@
     <p:handoutMasterId r:id="rId18"/>
   </p:handoutMasterIdLst>
   <p:sldIdLst>
-    <p:sldId id="618" r:id="rId5"/>
+    <p:sldId id="619" r:id="rId5"/>
     <p:sldId id="575" r:id="rId6"/>
     <p:sldId id="571" r:id="rId7"/>
     <p:sldId id="612" r:id="rId8"/>
@@ -184,7 +184,7 @@
 <file path=ppt/revisionInfo.xml><?xml version="1.0" encoding="utf-8"?>
 <p1510:revInfo xmlns:a="http://schemas.openxmlformats.org/drawingml/2006/main" xmlns:r="http://schemas.openxmlformats.org/officeDocument/2006/relationships" xmlns:p1510="http://schemas.microsoft.com/office/powerpoint/2015/10/main">
   <p1510:revLst>
-    <p1510:client id="{ECD379D8-160C-4C9C-BFE8-1CDECE7F9FD3}" v="20" dt="2022-07-04T07:35:55.121"/>
+    <p1510:client id="{ED223E36-A47A-4F19-92CB-E23B5F917404}" v="5" dt="2022-09-16T07:25:26.365"/>
   </p1510:revLst>
 </p1510:revInfo>
 </file>
@@ -479,6 +479,200 @@
     </pc:docChg>
   </pc:docChgLst>
   <pc:docChgLst>
+    <pc:chgData name="Øyvind Wiig Petersen" userId="8db00c4c-acc5-4dea-8516-ccf730572e42" providerId="ADAL" clId="{ED223E36-A47A-4F19-92CB-E23B5F917404}"/>
+    <pc:docChg chg="undo custSel addSld delSld modSld">
+      <pc:chgData name="Øyvind Wiig Petersen" userId="8db00c4c-acc5-4dea-8516-ccf730572e42" providerId="ADAL" clId="{ED223E36-A47A-4F19-92CB-E23B5F917404}" dt="2022-09-16T07:26:13.052" v="33" actId="20577"/>
+      <pc:docMkLst>
+        <pc:docMk/>
+      </pc:docMkLst>
+      <pc:sldChg chg="modSp mod">
+        <pc:chgData name="Øyvind Wiig Petersen" userId="8db00c4c-acc5-4dea-8516-ccf730572e42" providerId="ADAL" clId="{ED223E36-A47A-4F19-92CB-E23B5F917404}" dt="2022-09-16T07:26:13.052" v="33" actId="20577"/>
+        <pc:sldMkLst>
+          <pc:docMk/>
+          <pc:sldMk cId="2297208258" sldId="571"/>
+        </pc:sldMkLst>
+        <pc:spChg chg="mod">
+          <ac:chgData name="Øyvind Wiig Petersen" userId="8db00c4c-acc5-4dea-8516-ccf730572e42" providerId="ADAL" clId="{ED223E36-A47A-4F19-92CB-E23B5F917404}" dt="2022-09-16T07:26:13.052" v="33" actId="20577"/>
+          <ac:spMkLst>
+            <pc:docMk/>
+            <pc:sldMk cId="2297208258" sldId="571"/>
+            <ac:spMk id="5" creationId="{43E741B6-393D-4033-89CC-D7BE537464FE}"/>
+          </ac:spMkLst>
+        </pc:spChg>
+      </pc:sldChg>
+      <pc:sldChg chg="addSp delSp modSp del mod">
+        <pc:chgData name="Øyvind Wiig Petersen" userId="8db00c4c-acc5-4dea-8516-ccf730572e42" providerId="ADAL" clId="{ED223E36-A47A-4F19-92CB-E23B5F917404}" dt="2022-09-16T07:25:49.915" v="17" actId="2696"/>
+        <pc:sldMkLst>
+          <pc:docMk/>
+          <pc:sldMk cId="1834186742" sldId="618"/>
+        </pc:sldMkLst>
+        <pc:spChg chg="add del">
+          <ac:chgData name="Øyvind Wiig Petersen" userId="8db00c4c-acc5-4dea-8516-ccf730572e42" providerId="ADAL" clId="{ED223E36-A47A-4F19-92CB-E23B5F917404}" dt="2022-09-16T07:25:15.729" v="3"/>
+          <ac:spMkLst>
+            <pc:docMk/>
+            <pc:sldMk cId="1834186742" sldId="618"/>
+            <ac:spMk id="6" creationId="{6AAD5551-019F-2BB5-49A4-E44A7A1624A4}"/>
+          </ac:spMkLst>
+        </pc:spChg>
+        <pc:graphicFrameChg chg="add del mod">
+          <ac:chgData name="Øyvind Wiig Petersen" userId="8db00c4c-acc5-4dea-8516-ccf730572e42" providerId="ADAL" clId="{ED223E36-A47A-4F19-92CB-E23B5F917404}" dt="2022-09-16T07:25:26.322" v="6"/>
+          <ac:graphicFrameMkLst>
+            <pc:docMk/>
+            <pc:sldMk cId="1834186742" sldId="618"/>
+            <ac:graphicFrameMk id="3" creationId="{5FDD3D71-E045-A244-0E48-0E1BE0BAE849}"/>
+          </ac:graphicFrameMkLst>
+        </pc:graphicFrameChg>
+      </pc:sldChg>
+      <pc:sldChg chg="modSp add mod">
+        <pc:chgData name="Øyvind Wiig Petersen" userId="8db00c4c-acc5-4dea-8516-ccf730572e42" providerId="ADAL" clId="{ED223E36-A47A-4F19-92CB-E23B5F917404}" dt="2022-09-16T07:25:47.076" v="16" actId="115"/>
+        <pc:sldMkLst>
+          <pc:docMk/>
+          <pc:sldMk cId="3122996818" sldId="619"/>
+        </pc:sldMkLst>
+        <pc:spChg chg="mod">
+          <ac:chgData name="Øyvind Wiig Petersen" userId="8db00c4c-acc5-4dea-8516-ccf730572e42" providerId="ADAL" clId="{ED223E36-A47A-4F19-92CB-E23B5F917404}" dt="2022-09-16T07:25:47.076" v="16" actId="115"/>
+          <ac:spMkLst>
+            <pc:docMk/>
+            <pc:sldMk cId="3122996818" sldId="619"/>
+            <ac:spMk id="5" creationId="{88DF976C-9E0C-B282-871A-B232386F08E1}"/>
+          </ac:spMkLst>
+        </pc:spChg>
+        <pc:spChg chg="mod">
+          <ac:chgData name="Øyvind Wiig Petersen" userId="8db00c4c-acc5-4dea-8516-ccf730572e42" providerId="ADAL" clId="{ED223E36-A47A-4F19-92CB-E23B5F917404}" dt="2022-09-16T07:25:36.278" v="8"/>
+          <ac:spMkLst>
+            <pc:docMk/>
+            <pc:sldMk cId="3122996818" sldId="619"/>
+            <ac:spMk id="13" creationId="{348DDC63-D03F-4E4B-B5C0-63C3F1A3BC59}"/>
+          </ac:spMkLst>
+        </pc:spChg>
+      </pc:sldChg>
+    </pc:docChg>
+  </pc:docChgLst>
+  <pc:docChgLst>
+    <pc:chgData name="Øyvind Wiig Petersen" userId="8db00c4c-acc5-4dea-8516-ccf730572e42" providerId="ADAL" clId="{DBC82F51-F6D4-49E2-A846-FAFA5D0B8F7C}"/>
+    <pc:docChg chg="modSld">
+      <pc:chgData name="Øyvind Wiig Petersen" userId="8db00c4c-acc5-4dea-8516-ccf730572e42" providerId="ADAL" clId="{DBC82F51-F6D4-49E2-A846-FAFA5D0B8F7C}" dt="2022-08-10T12:14:21.166" v="25" actId="20577"/>
+      <pc:docMkLst>
+        <pc:docMk/>
+      </pc:docMkLst>
+      <pc:sldChg chg="modSp mod">
+        <pc:chgData name="Øyvind Wiig Petersen" userId="8db00c4c-acc5-4dea-8516-ccf730572e42" providerId="ADAL" clId="{DBC82F51-F6D4-49E2-A846-FAFA5D0B8F7C}" dt="2022-08-10T09:27:21.038" v="1" actId="1037"/>
+        <pc:sldMkLst>
+          <pc:docMk/>
+          <pc:sldMk cId="2297208258" sldId="571"/>
+        </pc:sldMkLst>
+        <pc:graphicFrameChg chg="mod">
+          <ac:chgData name="Øyvind Wiig Petersen" userId="8db00c4c-acc5-4dea-8516-ccf730572e42" providerId="ADAL" clId="{DBC82F51-F6D4-49E2-A846-FAFA5D0B8F7C}" dt="2022-08-10T09:27:18.909" v="0" actId="1037"/>
+          <ac:graphicFrameMkLst>
+            <pc:docMk/>
+            <pc:sldMk cId="2297208258" sldId="571"/>
+            <ac:graphicFrameMk id="10" creationId="{D8F763D9-4D6F-40E7-B5BD-6F7AF87E20DB}"/>
+          </ac:graphicFrameMkLst>
+        </pc:graphicFrameChg>
+        <pc:graphicFrameChg chg="mod">
+          <ac:chgData name="Øyvind Wiig Petersen" userId="8db00c4c-acc5-4dea-8516-ccf730572e42" providerId="ADAL" clId="{DBC82F51-F6D4-49E2-A846-FAFA5D0B8F7C}" dt="2022-08-10T09:27:21.038" v="1" actId="1037"/>
+          <ac:graphicFrameMkLst>
+            <pc:docMk/>
+            <pc:sldMk cId="2297208258" sldId="571"/>
+            <ac:graphicFrameMk id="11" creationId="{688A212D-7A40-4107-82D5-E554E25BA8B2}"/>
+          </ac:graphicFrameMkLst>
+        </pc:graphicFrameChg>
+      </pc:sldChg>
+      <pc:sldChg chg="modSp mod">
+        <pc:chgData name="Øyvind Wiig Petersen" userId="8db00c4c-acc5-4dea-8516-ccf730572e42" providerId="ADAL" clId="{DBC82F51-F6D4-49E2-A846-FAFA5D0B8F7C}" dt="2022-08-10T09:30:39.862" v="12" actId="1036"/>
+        <pc:sldMkLst>
+          <pc:docMk/>
+          <pc:sldMk cId="820026693" sldId="613"/>
+        </pc:sldMkLst>
+        <pc:spChg chg="mod">
+          <ac:chgData name="Øyvind Wiig Petersen" userId="8db00c4c-acc5-4dea-8516-ccf730572e42" providerId="ADAL" clId="{DBC82F51-F6D4-49E2-A846-FAFA5D0B8F7C}" dt="2022-08-10T09:29:18.496" v="2" actId="14100"/>
+          <ac:spMkLst>
+            <pc:docMk/>
+            <pc:sldMk cId="820026693" sldId="613"/>
+            <ac:spMk id="23" creationId="{DF63CA27-0111-47E0-B41E-191D9F3008CA}"/>
+          </ac:spMkLst>
+        </pc:spChg>
+        <pc:graphicFrameChg chg="mod">
+          <ac:chgData name="Øyvind Wiig Petersen" userId="8db00c4c-acc5-4dea-8516-ccf730572e42" providerId="ADAL" clId="{DBC82F51-F6D4-49E2-A846-FAFA5D0B8F7C}" dt="2022-08-10T09:30:36.990" v="11" actId="1036"/>
+          <ac:graphicFrameMkLst>
+            <pc:docMk/>
+            <pc:sldMk cId="820026693" sldId="613"/>
+            <ac:graphicFrameMk id="5" creationId="{985C60EC-919F-4BF3-BEA0-EA6577C84365}"/>
+          </ac:graphicFrameMkLst>
+        </pc:graphicFrameChg>
+        <pc:graphicFrameChg chg="mod">
+          <ac:chgData name="Øyvind Wiig Petersen" userId="8db00c4c-acc5-4dea-8516-ccf730572e42" providerId="ADAL" clId="{DBC82F51-F6D4-49E2-A846-FAFA5D0B8F7C}" dt="2022-08-10T09:30:39.862" v="12" actId="1036"/>
+          <ac:graphicFrameMkLst>
+            <pc:docMk/>
+            <pc:sldMk cId="820026693" sldId="613"/>
+            <ac:graphicFrameMk id="6" creationId="{CDED016F-DF3D-4454-9E30-A755ABF7CFC8}"/>
+          </ac:graphicFrameMkLst>
+        </pc:graphicFrameChg>
+      </pc:sldChg>
+      <pc:sldChg chg="modSp mod">
+        <pc:chgData name="Øyvind Wiig Petersen" userId="8db00c4c-acc5-4dea-8516-ccf730572e42" providerId="ADAL" clId="{DBC82F51-F6D4-49E2-A846-FAFA5D0B8F7C}" dt="2022-08-10T09:32:35.117" v="22" actId="20577"/>
+        <pc:sldMkLst>
+          <pc:docMk/>
+          <pc:sldMk cId="1861433934" sldId="615"/>
+        </pc:sldMkLst>
+        <pc:spChg chg="mod">
+          <ac:chgData name="Øyvind Wiig Petersen" userId="8db00c4c-acc5-4dea-8516-ccf730572e42" providerId="ADAL" clId="{DBC82F51-F6D4-49E2-A846-FAFA5D0B8F7C}" dt="2022-08-10T09:32:35.117" v="22" actId="20577"/>
+          <ac:spMkLst>
+            <pc:docMk/>
+            <pc:sldMk cId="1861433934" sldId="615"/>
+            <ac:spMk id="5" creationId="{DD5CC789-6F91-4877-B073-2EA447E2F363}"/>
+          </ac:spMkLst>
+        </pc:spChg>
+      </pc:sldChg>
+      <pc:sldChg chg="modSp mod">
+        <pc:chgData name="Øyvind Wiig Petersen" userId="8db00c4c-acc5-4dea-8516-ccf730572e42" providerId="ADAL" clId="{DBC82F51-F6D4-49E2-A846-FAFA5D0B8F7C}" dt="2022-08-10T09:31:56.922" v="20"/>
+        <pc:sldMkLst>
+          <pc:docMk/>
+          <pc:sldMk cId="869930188" sldId="616"/>
+        </pc:sldMkLst>
+        <pc:graphicFrameChg chg="mod">
+          <ac:chgData name="Øyvind Wiig Petersen" userId="8db00c4c-acc5-4dea-8516-ccf730572e42" providerId="ADAL" clId="{DBC82F51-F6D4-49E2-A846-FAFA5D0B8F7C}" dt="2022-08-10T09:30:51.768" v="14"/>
+          <ac:graphicFrameMkLst>
+            <pc:docMk/>
+            <pc:sldMk cId="869930188" sldId="616"/>
+            <ac:graphicFrameMk id="5" creationId="{FA5DEB6B-E67E-45B3-984B-C80242972E97}"/>
+          </ac:graphicFrameMkLst>
+        </pc:graphicFrameChg>
+        <pc:graphicFrameChg chg="mod">
+          <ac:chgData name="Øyvind Wiig Petersen" userId="8db00c4c-acc5-4dea-8516-ccf730572e42" providerId="ADAL" clId="{DBC82F51-F6D4-49E2-A846-FAFA5D0B8F7C}" dt="2022-08-10T09:31:50.676" v="19" actId="1076"/>
+          <ac:graphicFrameMkLst>
+            <pc:docMk/>
+            <pc:sldMk cId="869930188" sldId="616"/>
+            <ac:graphicFrameMk id="7" creationId="{7367FC17-D168-42C5-8DA6-95EEA02C0D7B}"/>
+          </ac:graphicFrameMkLst>
+        </pc:graphicFrameChg>
+        <pc:graphicFrameChg chg="mod">
+          <ac:chgData name="Øyvind Wiig Petersen" userId="8db00c4c-acc5-4dea-8516-ccf730572e42" providerId="ADAL" clId="{DBC82F51-F6D4-49E2-A846-FAFA5D0B8F7C}" dt="2022-08-10T09:31:56.922" v="20"/>
+          <ac:graphicFrameMkLst>
+            <pc:docMk/>
+            <pc:sldMk cId="869930188" sldId="616"/>
+            <ac:graphicFrameMk id="8" creationId="{38E73B6A-532A-404A-951A-B12D82BDD233}"/>
+          </ac:graphicFrameMkLst>
+        </pc:graphicFrameChg>
+      </pc:sldChg>
+      <pc:sldChg chg="modSp mod">
+        <pc:chgData name="Øyvind Wiig Petersen" userId="8db00c4c-acc5-4dea-8516-ccf730572e42" providerId="ADAL" clId="{DBC82F51-F6D4-49E2-A846-FAFA5D0B8F7C}" dt="2022-08-10T12:14:21.166" v="25" actId="20577"/>
+        <pc:sldMkLst>
+          <pc:docMk/>
+          <pc:sldMk cId="1834186742" sldId="618"/>
+        </pc:sldMkLst>
+        <pc:spChg chg="mod">
+          <ac:chgData name="Øyvind Wiig Petersen" userId="8db00c4c-acc5-4dea-8516-ccf730572e42" providerId="ADAL" clId="{DBC82F51-F6D4-49E2-A846-FAFA5D0B8F7C}" dt="2022-08-10T12:14:21.166" v="25" actId="20577"/>
+          <ac:spMkLst>
+            <pc:docMk/>
+            <pc:sldMk cId="1834186742" sldId="618"/>
+            <ac:spMk id="13" creationId="{348DDC63-D03F-4E4B-B5C0-63C3F1A3BC59}"/>
+          </ac:spMkLst>
+        </pc:spChg>
+      </pc:sldChg>
+    </pc:docChg>
+  </pc:docChgLst>
+  <pc:docChgLst>
     <pc:chgData name="Øyvind Wiig Petersen" userId="8db00c4c-acc5-4dea-8516-ccf730572e42" providerId="ADAL" clId="{67F3F98E-F555-4318-81D3-4D39E3DCAB1E}"/>
     <pc:docChg chg="delSld modSld">
       <pc:chgData name="Øyvind Wiig Petersen" userId="8db00c4c-acc5-4dea-8516-ccf730572e42" providerId="ADAL" clId="{67F3F98E-F555-4318-81D3-4D39E3DCAB1E}" dt="2022-05-18T09:01:57.942" v="17"/>
@@ -637,7 +831,7 @@
           <a:p>
             <a:fld id="{A5900E29-18E1-4109-AAA1-F28C0AAA934D}" type="datetimeFigureOut">
               <a:rPr lang="en-US" smtClean="0"/>
-              <a:t>7/4/2022</a:t>
+              <a:t>9/16/2022</a:t>
             </a:fld>
             <a:endParaRPr lang="en-US"/>
           </a:p>
@@ -802,7 +996,7 @@
           <a:p>
             <a:fld id="{9202B75C-0EBB-4B30-BBC4-C5E69FFFE7FE}" type="datetimeFigureOut">
               <a:rPr lang="nb-NO" smtClean="0"/>
-              <a:t>04.07.2022</a:t>
+              <a:t>16.09.2022</a:t>
             </a:fld>
             <a:endParaRPr lang="nb-NO"/>
           </a:p>
@@ -4102,8 +4296,8 @@
         </p:nvSpPr>
         <p:spPr>
           <a:xfrm>
-            <a:off x="686608" y="2173291"/>
-            <a:ext cx="10818784" cy="1399725"/>
+            <a:off x="1435324" y="2739329"/>
+            <a:ext cx="9321353" cy="1588035"/>
           </a:xfrm>
         </p:spPr>
         <p:txBody>
@@ -4119,7 +4313,7 @@
                   <a:schemeClr val="bg1"/>
                 </a:solidFill>
               </a:rPr>
-              <a:t>Some notes of system formulation of LFM augmentation and discretization</a:t>
+              <a:t>Some notes of system formulation of LFMs, augmentation, and discretization</a:t>
             </a:r>
           </a:p>
         </p:txBody>
@@ -4140,19 +4334,294 @@
             <p:ph type="subTitle" idx="1"/>
           </p:nvPr>
         </p:nvSpPr>
-        <p:spPr/>
+        <p:spPr>
+          <a:xfrm>
+            <a:off x="875569" y="4893623"/>
+            <a:ext cx="10363200" cy="1752600"/>
+          </a:xfrm>
+        </p:spPr>
         <p:txBody>
           <a:bodyPr/>
           <a:lstStyle/>
           <a:p>
-            <a:endParaRPr lang="nb-NO" dirty="0"/>
+            <a:r>
+              <a:rPr lang="nb-NO" dirty="0"/>
+              <a:t>Ø.W. Petersen</a:t>
+            </a:r>
           </a:p>
         </p:txBody>
       </p:sp>
+      <p:grpSp>
+        <p:nvGrpSpPr>
+          <p:cNvPr id="6" name="Gruppe 12">
+            <a:extLst>
+              <a:ext uri="{FF2B5EF4-FFF2-40B4-BE49-F238E27FC236}">
+                <a16:creationId xmlns:a16="http://schemas.microsoft.com/office/drawing/2014/main" id="{3F0993B5-C5DE-0951-2111-63A5B30A9819}"/>
+              </a:ext>
+            </a:extLst>
+          </p:cNvPr>
+          <p:cNvGrpSpPr/>
+          <p:nvPr/>
+        </p:nvGrpSpPr>
+        <p:grpSpPr>
+          <a:xfrm>
+            <a:off x="10420879" y="224644"/>
+            <a:ext cx="1507769" cy="1225113"/>
+            <a:chOff x="6429510" y="337780"/>
+            <a:chExt cx="2155389" cy="1751325"/>
+          </a:xfrm>
+        </p:grpSpPr>
+        <p:sp>
+          <p:nvSpPr>
+            <p:cNvPr id="7" name="Ellipse 15">
+              <a:extLst>
+                <a:ext uri="{FF2B5EF4-FFF2-40B4-BE49-F238E27FC236}">
+                  <a16:creationId xmlns:a16="http://schemas.microsoft.com/office/drawing/2014/main" id="{8E61C798-C45F-959F-85DF-86773A1161EE}"/>
+                </a:ext>
+              </a:extLst>
+            </p:cNvPr>
+            <p:cNvSpPr/>
+            <p:nvPr/>
+          </p:nvSpPr>
+          <p:spPr>
+            <a:xfrm>
+              <a:off x="7596009" y="337780"/>
+              <a:ext cx="988890" cy="988890"/>
+            </a:xfrm>
+            <a:prstGeom prst="ellipse">
+              <a:avLst/>
+            </a:prstGeom>
+            <a:solidFill>
+              <a:srgbClr val="0D3475">
+                <a:alpha val="60000"/>
+              </a:srgbClr>
+            </a:solidFill>
+            <a:ln w="25400">
+              <a:solidFill>
+                <a:schemeClr val="bg1"/>
+              </a:solidFill>
+            </a:ln>
+            <a:effectLst/>
+          </p:spPr>
+          <p:style>
+            <a:lnRef idx="1">
+              <a:schemeClr val="accent1"/>
+            </a:lnRef>
+            <a:fillRef idx="3">
+              <a:schemeClr val="accent1"/>
+            </a:fillRef>
+            <a:effectRef idx="2">
+              <a:schemeClr val="accent1"/>
+            </a:effectRef>
+            <a:fontRef idx="minor">
+              <a:schemeClr val="lt1"/>
+            </a:fontRef>
+          </p:style>
+          <p:txBody>
+            <a:bodyPr rtlCol="0" anchor="ctr"/>
+            <a:lstStyle/>
+            <a:p>
+              <a:pPr algn="ctr"/>
+              <a:endParaRPr lang="nb-NO"/>
+            </a:p>
+          </p:txBody>
+        </p:sp>
+        <p:sp>
+          <p:nvSpPr>
+            <p:cNvPr id="8" name="Ellipse 16">
+              <a:extLst>
+                <a:ext uri="{FF2B5EF4-FFF2-40B4-BE49-F238E27FC236}">
+                  <a16:creationId xmlns:a16="http://schemas.microsoft.com/office/drawing/2014/main" id="{D3768011-1F34-0B6D-244D-63B82BCCF9EA}"/>
+                </a:ext>
+              </a:extLst>
+            </p:cNvPr>
+            <p:cNvSpPr/>
+            <p:nvPr/>
+          </p:nvSpPr>
+          <p:spPr>
+            <a:xfrm>
+              <a:off x="6815720" y="641606"/>
+              <a:ext cx="475240" cy="475240"/>
+            </a:xfrm>
+            <a:prstGeom prst="ellipse">
+              <a:avLst/>
+            </a:prstGeom>
+            <a:solidFill>
+              <a:srgbClr val="0D3475"/>
+            </a:solidFill>
+            <a:ln w="25400">
+              <a:solidFill>
+                <a:schemeClr val="bg1"/>
+              </a:solidFill>
+            </a:ln>
+            <a:effectLst/>
+          </p:spPr>
+          <p:style>
+            <a:lnRef idx="1">
+              <a:schemeClr val="accent1"/>
+            </a:lnRef>
+            <a:fillRef idx="3">
+              <a:schemeClr val="accent1"/>
+            </a:fillRef>
+            <a:effectRef idx="2">
+              <a:schemeClr val="accent1"/>
+            </a:effectRef>
+            <a:fontRef idx="minor">
+              <a:schemeClr val="lt1"/>
+            </a:fontRef>
+          </p:style>
+          <p:txBody>
+            <a:bodyPr rtlCol="0" anchor="ctr"/>
+            <a:lstStyle/>
+            <a:p>
+              <a:pPr algn="ctr"/>
+              <a:endParaRPr lang="nb-NO"/>
+            </a:p>
+          </p:txBody>
+        </p:sp>
+        <p:sp>
+          <p:nvSpPr>
+            <p:cNvPr id="9" name="Ellipse 17">
+              <a:extLst>
+                <a:ext uri="{FF2B5EF4-FFF2-40B4-BE49-F238E27FC236}">
+                  <a16:creationId xmlns:a16="http://schemas.microsoft.com/office/drawing/2014/main" id="{0072AA21-D454-AAA6-6A0B-5E75D737744E}"/>
+                </a:ext>
+              </a:extLst>
+            </p:cNvPr>
+            <p:cNvSpPr/>
+            <p:nvPr/>
+          </p:nvSpPr>
+          <p:spPr>
+            <a:xfrm>
+              <a:off x="6995176" y="1326670"/>
+              <a:ext cx="762435" cy="762435"/>
+            </a:xfrm>
+            <a:prstGeom prst="ellipse">
+              <a:avLst/>
+            </a:prstGeom>
+            <a:solidFill>
+              <a:srgbClr val="BBAC76"/>
+            </a:solidFill>
+            <a:ln w="25400">
+              <a:solidFill>
+                <a:schemeClr val="bg1"/>
+              </a:solidFill>
+            </a:ln>
+            <a:effectLst/>
+          </p:spPr>
+          <p:style>
+            <a:lnRef idx="1">
+              <a:schemeClr val="accent1"/>
+            </a:lnRef>
+            <a:fillRef idx="3">
+              <a:schemeClr val="accent1"/>
+            </a:fillRef>
+            <a:effectRef idx="2">
+              <a:schemeClr val="accent1"/>
+            </a:effectRef>
+            <a:fontRef idx="minor">
+              <a:schemeClr val="lt1"/>
+            </a:fontRef>
+          </p:style>
+          <p:txBody>
+            <a:bodyPr rtlCol="0" anchor="ctr"/>
+            <a:lstStyle/>
+            <a:p>
+              <a:pPr algn="ctr"/>
+              <a:endParaRPr lang="nb-NO"/>
+            </a:p>
+          </p:txBody>
+        </p:sp>
+        <p:sp>
+          <p:nvSpPr>
+            <p:cNvPr id="10" name="Ellipse 18">
+              <a:extLst>
+                <a:ext uri="{FF2B5EF4-FFF2-40B4-BE49-F238E27FC236}">
+                  <a16:creationId xmlns:a16="http://schemas.microsoft.com/office/drawing/2014/main" id="{DD007213-B534-D59C-74B5-96337C11B538}"/>
+                </a:ext>
+              </a:extLst>
+            </p:cNvPr>
+            <p:cNvSpPr/>
+            <p:nvPr/>
+          </p:nvSpPr>
+          <p:spPr>
+            <a:xfrm>
+              <a:off x="6429510" y="1339986"/>
+              <a:ext cx="218266" cy="218266"/>
+            </a:xfrm>
+            <a:prstGeom prst="ellipse">
+              <a:avLst/>
+            </a:prstGeom>
+            <a:solidFill>
+              <a:srgbClr val="BBAC76">
+                <a:alpha val="60000"/>
+              </a:srgbClr>
+            </a:solidFill>
+            <a:ln w="25400">
+              <a:solidFill>
+                <a:schemeClr val="bg1"/>
+              </a:solidFill>
+            </a:ln>
+            <a:effectLst/>
+          </p:spPr>
+          <p:style>
+            <a:lnRef idx="1">
+              <a:schemeClr val="accent1"/>
+            </a:lnRef>
+            <a:fillRef idx="3">
+              <a:schemeClr val="accent1"/>
+            </a:fillRef>
+            <a:effectRef idx="2">
+              <a:schemeClr val="accent1"/>
+            </a:effectRef>
+            <a:fontRef idx="minor">
+              <a:schemeClr val="lt1"/>
+            </a:fontRef>
+          </p:style>
+          <p:txBody>
+            <a:bodyPr rtlCol="0" anchor="ctr"/>
+            <a:lstStyle/>
+            <a:p>
+              <a:pPr algn="ctr"/>
+              <a:endParaRPr lang="nb-NO"/>
+            </a:p>
+          </p:txBody>
+        </p:sp>
+      </p:grpSp>
+      <p:pic>
+        <p:nvPicPr>
+          <p:cNvPr id="14" name="Bilde 15">
+            <a:extLst>
+              <a:ext uri="{FF2B5EF4-FFF2-40B4-BE49-F238E27FC236}">
+                <a16:creationId xmlns:a16="http://schemas.microsoft.com/office/drawing/2014/main" id="{7ECFBA35-7F52-CB5E-4608-37CAF95FF316}"/>
+              </a:ext>
+            </a:extLst>
+          </p:cNvPr>
+          <p:cNvPicPr>
+            <a:picLocks noChangeAspect="1"/>
+          </p:cNvPicPr>
+          <p:nvPr/>
+        </p:nvPicPr>
+        <p:blipFill>
+          <a:blip r:embed="rId3"/>
+          <a:stretch>
+            <a:fillRect/>
+          </a:stretch>
+        </p:blipFill>
+        <p:spPr>
+          <a:xfrm>
+            <a:off x="2770918" y="1328631"/>
+            <a:ext cx="7013511" cy="654246"/>
+          </a:xfrm>
+          <a:prstGeom prst="rect">
+            <a:avLst/>
+          </a:prstGeom>
+        </p:spPr>
+      </p:pic>
     </p:spTree>
     <p:extLst>
       <p:ext uri="{BB962C8B-B14F-4D97-AF65-F5344CB8AC3E}">
-        <p14:creationId xmlns:p14="http://schemas.microsoft.com/office/powerpoint/2010/main" val="1834186742"/>
+        <p14:creationId xmlns:p14="http://schemas.microsoft.com/office/powerpoint/2010/main" val="3122996818"/>
       </p:ext>
     </p:extLst>
   </p:cSld>
@@ -4301,7 +4770,7 @@
         <p:spPr>
           <a:xfrm>
             <a:off x="863863" y="1268413"/>
-            <a:ext cx="10979410" cy="1576138"/>
+            <a:ext cx="10452717" cy="1576138"/>
           </a:xfrm>
           <a:prstGeom prst="rect">
             <a:avLst/>
@@ -4521,14 +4990,6 @@
             <a:r>
               <a:rPr lang="nb-NO" dirty="0"/>
               <a:t> Q for </a:t>
-            </a:r>
-            <a:r>
-              <a:rPr lang="nb-NO" dirty="0" err="1"/>
-              <a:t>the</a:t>
-            </a:r>
-            <a:r>
-              <a:rPr lang="nb-NO" dirty="0"/>
-              <a:t> </a:t>
             </a:r>
             <a:r>
               <a:rPr lang="nb-NO" dirty="0" err="1"/>
@@ -6584,7 +7045,7 @@
           <a:p>
             <a:r>
               <a:rPr lang="en-US" dirty="0"/>
-              <a:t>Mechanical response model: linear system subject to wind loads p(t) and additional white noise </a:t>
+              <a:t>Mechanical model: linear system subject to wind loads p(t) and (possibly) additional white noise </a:t>
             </a:r>
             <a:r>
               <a:rPr lang="el-GR" dirty="0"/>
@@ -6681,13 +7142,13 @@
           <p:nvPr>
             <p:extLst>
               <p:ext uri="{D42A27DB-BD31-4B8C-83A1-F6EECF244321}">
-                <p14:modId xmlns:p14="http://schemas.microsoft.com/office/powerpoint/2010/main" val="3809519648"/>
+                <p14:modId xmlns:p14="http://schemas.microsoft.com/office/powerpoint/2010/main" val="3409246950"/>
               </p:ext>
             </p:extLst>
           </p:nvPr>
         </p:nvGraphicFramePr>
         <p:xfrm>
-          <a:off x="1196178" y="4491906"/>
+          <a:off x="1163452" y="4491906"/>
           <a:ext cx="4957632" cy="771840"/>
         </p:xfrm>
         <a:graphic>
@@ -6721,7 +7182,7 @@
                     </p:blipFill>
                     <p:spPr>
                       <a:xfrm>
-                        <a:off x="1196178" y="4491906"/>
+                        <a:off x="1163452" y="4491906"/>
                         <a:ext cx="4957632" cy="771840"/>
                       </a:xfrm>
                       <a:prstGeom prst="rect">
@@ -6750,13 +7211,13 @@
           <p:nvPr>
             <p:extLst>
               <p:ext uri="{D42A27DB-BD31-4B8C-83A1-F6EECF244321}">
-                <p14:modId xmlns:p14="http://schemas.microsoft.com/office/powerpoint/2010/main" val="2421272135"/>
+                <p14:modId xmlns:p14="http://schemas.microsoft.com/office/powerpoint/2010/main" val="859644451"/>
               </p:ext>
             </p:extLst>
           </p:nvPr>
         </p:nvGraphicFramePr>
         <p:xfrm>
-          <a:off x="1205665" y="5469759"/>
+          <a:off x="1163452" y="5469759"/>
           <a:ext cx="2986560" cy="365760"/>
         </p:xfrm>
         <a:graphic>
@@ -6790,7 +7251,7 @@
                     </p:blipFill>
                     <p:spPr>
                       <a:xfrm>
-                        <a:off x="1205665" y="5469759"/>
+                        <a:off x="1163452" y="5469759"/>
                         <a:ext cx="2986560" cy="365760"/>
                       </a:xfrm>
                       <a:prstGeom prst="rect">
@@ -11751,7 +12212,7 @@
         <p:spPr>
           <a:xfrm>
             <a:off x="606295" y="1287939"/>
-            <a:ext cx="10979410" cy="1059295"/>
+            <a:ext cx="9594161" cy="1059295"/>
           </a:xfrm>
           <a:prstGeom prst="rect">
             <a:avLst/>
@@ -12176,25 +12637,25 @@
           <p:nvPr>
             <p:extLst>
               <p:ext uri="{D42A27DB-BD31-4B8C-83A1-F6EECF244321}">
-                <p14:modId xmlns:p14="http://schemas.microsoft.com/office/powerpoint/2010/main" val="2661660130"/>
+                <p14:modId xmlns:p14="http://schemas.microsoft.com/office/powerpoint/2010/main" val="3851304999"/>
               </p:ext>
             </p:extLst>
           </p:nvPr>
         </p:nvGraphicFramePr>
         <p:xfrm>
-          <a:off x="874713" y="3504956"/>
-          <a:ext cx="9245376" cy="1178496"/>
+          <a:off x="884238" y="3547219"/>
+          <a:ext cx="9224962" cy="1177925"/>
         </p:xfrm>
         <a:graphic>
           <a:graphicData uri="http://schemas.openxmlformats.org/presentationml/2006/ole">
             <mc:AlternateContent xmlns:mc="http://schemas.openxmlformats.org/markup-compatibility/2006">
               <mc:Choice xmlns:v="urn:schemas-microsoft-com:vml" Requires="v">
-                <p:oleObj name="Equation" r:id="rId4" imgW="5778360" imgH="736560" progId="Equation.DSMT4">
+                <p:oleObj name="Equation" r:id="rId4" imgW="5765760" imgH="736560" progId="Equation.DSMT4">
                   <p:embed/>
                 </p:oleObj>
               </mc:Choice>
               <mc:Fallback>
-                <p:oleObj name="Equation" r:id="rId4" imgW="5778360" imgH="736560" progId="Equation.DSMT4">
+                <p:oleObj name="Equation" r:id="rId4" imgW="5765760" imgH="736560" progId="Equation.DSMT4">
                   <p:embed/>
                   <p:pic>
                     <p:nvPicPr>
@@ -12216,8 +12677,8 @@
                     </p:blipFill>
                     <p:spPr>
                       <a:xfrm>
-                        <a:off x="874713" y="3504956"/>
-                        <a:ext cx="9245376" cy="1178496"/>
+                        <a:off x="884238" y="3547219"/>
+                        <a:ext cx="9224962" cy="1177925"/>
                       </a:xfrm>
                       <a:prstGeom prst="rect">
                         <a:avLst/>
@@ -12548,25 +13009,25 @@
           <p:nvPr>
             <p:extLst>
               <p:ext uri="{D42A27DB-BD31-4B8C-83A1-F6EECF244321}">
-                <p14:modId xmlns:p14="http://schemas.microsoft.com/office/powerpoint/2010/main" val="3398725232"/>
+                <p14:modId xmlns:p14="http://schemas.microsoft.com/office/powerpoint/2010/main" val="4076462929"/>
               </p:ext>
             </p:extLst>
           </p:nvPr>
         </p:nvGraphicFramePr>
         <p:xfrm>
-          <a:off x="894144" y="4729916"/>
-          <a:ext cx="5201856" cy="1665792"/>
+          <a:off x="884808" y="4788049"/>
+          <a:ext cx="5283200" cy="1665287"/>
         </p:xfrm>
         <a:graphic>
           <a:graphicData uri="http://schemas.openxmlformats.org/presentationml/2006/ole">
             <mc:AlternateContent xmlns:mc="http://schemas.openxmlformats.org/markup-compatibility/2006">
               <mc:Choice xmlns:v="urn:schemas-microsoft-com:vml" Requires="v">
-                <p:oleObj name="Equation" r:id="rId6" imgW="3251160" imgH="1041120" progId="Equation.DSMT4">
+                <p:oleObj name="Equation" r:id="rId6" imgW="3301920" imgH="1041120" progId="Equation.DSMT4">
                   <p:embed/>
                 </p:oleObj>
               </mc:Choice>
               <mc:Fallback>
-                <p:oleObj name="Equation" r:id="rId6" imgW="3251160" imgH="1041120" progId="Equation.DSMT4">
+                <p:oleObj name="Equation" r:id="rId6" imgW="3301920" imgH="1041120" progId="Equation.DSMT4">
                   <p:embed/>
                   <p:pic>
                     <p:nvPicPr>
@@ -12588,8 +13049,8 @@
                     </p:blipFill>
                     <p:spPr>
                       <a:xfrm>
-                        <a:off x="894144" y="4729916"/>
-                        <a:ext cx="5201856" cy="1665792"/>
+                        <a:off x="884808" y="4788049"/>
+                        <a:ext cx="5283200" cy="1665287"/>
                       </a:xfrm>
                       <a:prstGeom prst="rect">
                         <a:avLst/>
@@ -12690,25 +13151,25 @@
           <p:nvPr>
             <p:extLst>
               <p:ext uri="{D42A27DB-BD31-4B8C-83A1-F6EECF244321}">
-                <p14:modId xmlns:p14="http://schemas.microsoft.com/office/powerpoint/2010/main" val="94675990"/>
+                <p14:modId xmlns:p14="http://schemas.microsoft.com/office/powerpoint/2010/main" val="3649547994"/>
               </p:ext>
             </p:extLst>
           </p:nvPr>
         </p:nvGraphicFramePr>
         <p:xfrm>
-          <a:off x="874713" y="1281263"/>
-          <a:ext cx="5913438" cy="1543050"/>
+          <a:off x="803275" y="1281113"/>
+          <a:ext cx="6056313" cy="1543050"/>
         </p:xfrm>
         <a:graphic>
           <a:graphicData uri="http://schemas.openxmlformats.org/presentationml/2006/ole">
             <mc:AlternateContent xmlns:mc="http://schemas.openxmlformats.org/markup-compatibility/2006">
               <mc:Choice xmlns:v="urn:schemas-microsoft-com:vml" Requires="v">
-                <p:oleObj name="Equation" r:id="rId3" imgW="3695400" imgH="965160" progId="Equation.DSMT4">
+                <p:oleObj name="Equation" r:id="rId3" imgW="3784320" imgH="965160" progId="Equation.DSMT4">
                   <p:embed/>
                 </p:oleObj>
               </mc:Choice>
               <mc:Fallback>
-                <p:oleObj name="Equation" r:id="rId3" imgW="3695400" imgH="965160" progId="Equation.DSMT4">
+                <p:oleObj name="Equation" r:id="rId3" imgW="3784320" imgH="965160" progId="Equation.DSMT4">
                   <p:embed/>
                   <p:pic>
                     <p:nvPicPr>
@@ -12730,8 +13191,8 @@
                     </p:blipFill>
                     <p:spPr>
                       <a:xfrm>
-                        <a:off x="874713" y="1281263"/>
-                        <a:ext cx="5913438" cy="1543050"/>
+                        <a:off x="803275" y="1281113"/>
+                        <a:ext cx="6056313" cy="1543050"/>
                       </a:xfrm>
                       <a:prstGeom prst="rect">
                         <a:avLst/>
@@ -12759,25 +13220,25 @@
           <p:nvPr>
             <p:extLst>
               <p:ext uri="{D42A27DB-BD31-4B8C-83A1-F6EECF244321}">
-                <p14:modId xmlns:p14="http://schemas.microsoft.com/office/powerpoint/2010/main" val="3310258207"/>
+                <p14:modId xmlns:p14="http://schemas.microsoft.com/office/powerpoint/2010/main" val="2693029862"/>
               </p:ext>
             </p:extLst>
           </p:nvPr>
         </p:nvGraphicFramePr>
         <p:xfrm>
-          <a:off x="874713" y="2795571"/>
-          <a:ext cx="5283072" cy="365760"/>
+          <a:off x="881778" y="2876474"/>
+          <a:ext cx="5080000" cy="365125"/>
         </p:xfrm>
         <a:graphic>
           <a:graphicData uri="http://schemas.openxmlformats.org/presentationml/2006/ole">
             <mc:AlternateContent xmlns:mc="http://schemas.openxmlformats.org/markup-compatibility/2006">
               <mc:Choice xmlns:v="urn:schemas-microsoft-com:vml" Requires="v">
-                <p:oleObj name="Equation" r:id="rId5" imgW="3301920" imgH="228600" progId="Equation.DSMT4">
+                <p:oleObj name="Equation" r:id="rId5" imgW="3174840" imgH="228600" progId="Equation.DSMT4">
                   <p:embed/>
                 </p:oleObj>
               </mc:Choice>
               <mc:Fallback>
-                <p:oleObj name="Equation" r:id="rId5" imgW="3301920" imgH="228600" progId="Equation.DSMT4">
+                <p:oleObj name="Equation" r:id="rId5" imgW="3174840" imgH="228600" progId="Equation.DSMT4">
                   <p:embed/>
                   <p:pic>
                     <p:nvPicPr>
@@ -12799,8 +13260,8 @@
                     </p:blipFill>
                     <p:spPr>
                       <a:xfrm>
-                        <a:off x="874713" y="2795571"/>
-                        <a:ext cx="5283072" cy="365760"/>
+                        <a:off x="881778" y="2876474"/>
+                        <a:ext cx="5080000" cy="365125"/>
                       </a:xfrm>
                       <a:prstGeom prst="rect">
                         <a:avLst/>
@@ -12828,7 +13289,7 @@
           <p:nvPr>
             <p:extLst>
               <p:ext uri="{D42A27DB-BD31-4B8C-83A1-F6EECF244321}">
-                <p14:modId xmlns:p14="http://schemas.microsoft.com/office/powerpoint/2010/main" val="964889384"/>
+                <p14:modId xmlns:p14="http://schemas.microsoft.com/office/powerpoint/2010/main" val="4063266122"/>
               </p:ext>
             </p:extLst>
           </p:nvPr>
@@ -14226,6 +14687,15 @@
 </file>
 
 <file path=customXml/item1.xml><?xml version="1.0" encoding="utf-8"?>
+<?mso-contentType ?>
+<FormTemplates xmlns="http://schemas.microsoft.com/sharepoint/v3/contenttype/forms">
+  <Display>DocumentLibraryForm</Display>
+  <Edit>DocumentLibraryForm</Edit>
+  <New>DocumentLibraryForm</New>
+</FormTemplates>
+</file>
+
+<file path=customXml/item2.xml><?xml version="1.0" encoding="utf-8"?>
 <ct:contentTypeSchema xmlns:ct="http://schemas.microsoft.com/office/2006/metadata/contentType" xmlns:ma="http://schemas.microsoft.com/office/2006/metadata/properties/metaAttributes" ct:_="" ma:_="" ma:contentTypeName="Document" ma:contentTypeID="0x0101005211F725C9B5C4468CB16BF006DC038E" ma:contentTypeVersion="14" ma:contentTypeDescription="Create a new document." ma:contentTypeScope="" ma:versionID="8fc18fa9082498103a389be71d804ccc">
   <xsd:schema xmlns:xsd="http://www.w3.org/2001/XMLSchema" xmlns:xs="http://www.w3.org/2001/XMLSchema" xmlns:p="http://schemas.microsoft.com/office/2006/metadata/properties" xmlns:ns3="bb43da5c-49da-475c-8c5c-3244aed61b0c" xmlns:ns4="c946b7e2-cc54-4581-898e-1f5d59eaacce" targetNamespace="http://schemas.microsoft.com/office/2006/metadata/properties" ma:root="true" ma:fieldsID="bd6a4fdcec273fc91dcb004f2a676485" ns3:_="" ns4:_="">
     <xsd:import namespace="bb43da5c-49da-475c-8c5c-3244aed61b0c"/>
@@ -14454,22 +14924,21 @@
 </ct:contentTypeSchema>
 </file>
 
-<file path=customXml/item2.xml><?xml version="1.0" encoding="utf-8"?>
+<file path=customXml/item3.xml><?xml version="1.0" encoding="utf-8"?>
 <p:properties xmlns:p="http://schemas.microsoft.com/office/2006/metadata/properties" xmlns:xsi="http://www.w3.org/2001/XMLSchema-instance" xmlns:pc="http://schemas.microsoft.com/office/infopath/2007/PartnerControls">
   <documentManagement/>
 </p:properties>
 </file>
 
-<file path=customXml/item3.xml><?xml version="1.0" encoding="utf-8"?>
-<?mso-contentType ?>
-<FormTemplates xmlns="http://schemas.microsoft.com/sharepoint/v3/contenttype/forms">
-  <Display>DocumentLibraryForm</Display>
-  <Edit>DocumentLibraryForm</Edit>
-  <New>DocumentLibraryForm</New>
-</FormTemplates>
+<file path=customXml/itemProps1.xml><?xml version="1.0" encoding="utf-8"?>
+<ds:datastoreItem xmlns:ds="http://schemas.openxmlformats.org/officeDocument/2006/customXml" ds:itemID="{09F3C062-D38F-48CE-91BA-6E0D2C668D03}">
+  <ds:schemaRefs>
+    <ds:schemaRef ds:uri="http://schemas.microsoft.com/sharepoint/v3/contenttype/forms"/>
+  </ds:schemaRefs>
+</ds:datastoreItem>
 </file>
 
-<file path=customXml/itemProps1.xml><?xml version="1.0" encoding="utf-8"?>
+<file path=customXml/itemProps2.xml><?xml version="1.0" encoding="utf-8"?>
 <ds:datastoreItem xmlns:ds="http://schemas.openxmlformats.org/officeDocument/2006/customXml" ds:itemID="{12D208BF-EEC9-45B6-8386-1DCA7AC396C0}">
   <ds:schemaRefs>
     <ds:schemaRef ds:uri="http://schemas.microsoft.com/office/2006/metadata/contentType"/>
@@ -14488,7 +14957,7 @@
 </ds:datastoreItem>
 </file>
 
-<file path=customXml/itemProps2.xml><?xml version="1.0" encoding="utf-8"?>
+<file path=customXml/itemProps3.xml><?xml version="1.0" encoding="utf-8"?>
 <ds:datastoreItem xmlns:ds="http://schemas.openxmlformats.org/officeDocument/2006/customXml" ds:itemID="{EC2C04E8-859A-4A48-8B82-9D65E9A426FA}">
   <ds:schemaRefs>
     <ds:schemaRef ds:uri="http://purl.org/dc/elements/1.1/"/>
@@ -14503,12 +14972,4 @@
     <ds:schemaRef ds:uri="http://purl.org/dc/dcmitype/"/>
   </ds:schemaRefs>
 </ds:datastoreItem>
-</file>
-
-<file path=customXml/itemProps3.xml><?xml version="1.0" encoding="utf-8"?>
-<ds:datastoreItem xmlns:ds="http://schemas.openxmlformats.org/officeDocument/2006/customXml" ds:itemID="{09F3C062-D38F-48CE-91BA-6E0D2C668D03}">
-  <ds:schemaRefs>
-    <ds:schemaRef ds:uri="http://schemas.microsoft.com/sharepoint/v3/contenttype/forms"/>
-  </ds:schemaRefs>
-</ds:datastoreItem>
 </file>